--- a/test.pptx
+++ b/test.pptx
@@ -735,17 +735,6 @@
             <a:pPr algn="ctr" indent="0" marL="0">
               <a:buNone/>
             </a:pPr>
-            <a:r>
-              <a:rPr lang="en-US" sz="3600" dirty="0">
-                <a:solidFill>
-                  <a:srgbClr val="666666"/>
-                </a:solidFill>
-                <a:latin typeface="Arial" pitchFamily="34" charset="0"/>
-                <a:ea typeface="Arial" pitchFamily="34" charset="-122"/>
-                <a:cs typeface="Arial" pitchFamily="34" charset="-120"/>
-              </a:rPr>
-              <a:t>(Click to edit)</a:t>
-            </a:r>
             <a:endParaRPr lang="en-US" sz="3600" dirty="0"/>
           </a:p>
         </p:txBody>
